--- a/Assignment 2A - Concept Pitch/Presentation.pptx
+++ b/Assignment 2A - Concept Pitch/Presentation.pptx
@@ -110,13 +110,18 @@
       </a:defRPr>
     </a:lvl9pPr>
   </p:defaultTextStyle>
+  <p:extLst>
+    <p:ext uri="{EFAFB233-063F-42B5-8137-9DF3F51BA10A}">
+      <p15:sldGuideLst xmlns:p15="http://schemas.microsoft.com/office/powerpoint/2012/main"/>
+    </p:ext>
+  </p:extLst>
 </p:presentation>
 </file>
 
 <file path=ppt/revisionInfo.xml><?xml version="1.0" encoding="utf-8"?>
 <p1510:revInfo xmlns:a="http://schemas.openxmlformats.org/drawingml/2006/main" xmlns:r="http://schemas.openxmlformats.org/officeDocument/2006/relationships" xmlns:p1510="http://schemas.microsoft.com/office/powerpoint/2015/10/main">
   <p1510:revLst>
-    <p1510:client id="{860695C6-97FE-4F8E-82EC-9246B9FA14B2}" v="48" dt="2023-09-19T14:15:53.272"/>
+    <p1510:client id="{860695C6-97FE-4F8E-82EC-9246B9FA14B2}" v="62" dt="2023-09-20T10:59:59.909"/>
   </p1510:revLst>
 </p1510:revInfo>
 </file>
@@ -126,12 +131,12 @@
   <pc:docChgLst>
     <pc:chgData name="Zenan Shang" userId="47799ee1-cda5-412a-9f29-fb67e4032f41" providerId="ADAL" clId="{860695C6-97FE-4F8E-82EC-9246B9FA14B2}"/>
     <pc:docChg chg="undo redo custSel addSld delSld modSld sldOrd addMainMaster delMainMaster">
-      <pc:chgData name="Zenan Shang" userId="47799ee1-cda5-412a-9f29-fb67e4032f41" providerId="ADAL" clId="{860695C6-97FE-4F8E-82EC-9246B9FA14B2}" dt="2023-09-19T14:16:18.200" v="885" actId="1076"/>
+      <pc:chgData name="Zenan Shang" userId="47799ee1-cda5-412a-9f29-fb67e4032f41" providerId="ADAL" clId="{860695C6-97FE-4F8E-82EC-9246B9FA14B2}" dt="2023-09-20T10:59:59.909" v="899"/>
       <pc:docMkLst>
         <pc:docMk/>
       </pc:docMkLst>
-      <pc:sldChg chg="addSp delSp modSp new add del mod setBg modClrScheme addAnim chgLayout">
-        <pc:chgData name="Zenan Shang" userId="47799ee1-cda5-412a-9f29-fb67e4032f41" providerId="ADAL" clId="{860695C6-97FE-4F8E-82EC-9246B9FA14B2}" dt="2023-09-19T14:04:08.809" v="302"/>
+      <pc:sldChg chg="addSp delSp modSp new add del mod setBg modClrScheme addAnim modAnim chgLayout">
+        <pc:chgData name="Zenan Shang" userId="47799ee1-cda5-412a-9f29-fb67e4032f41" providerId="ADAL" clId="{860695C6-97FE-4F8E-82EC-9246B9FA14B2}" dt="2023-09-20T10:59:59.909" v="899"/>
         <pc:sldMkLst>
           <pc:docMk/>
           <pc:sldMk cId="1118249832" sldId="256"/>
@@ -1055,7 +1060,7 @@
           <a:p>
             <a:fld id="{9961830C-0465-45A7-A452-76061A58B08F}" type="datetimeFigureOut">
               <a:rPr lang="en-US" smtClean="0"/>
-              <a:t>9/19/2023</a:t>
+              <a:t>9/20/2023</a:t>
             </a:fld>
             <a:endParaRPr lang="en-US"/>
           </a:p>
@@ -1827,7 +1832,7 @@
           <a:p>
             <a:fld id="{53BEF823-48A5-43FC-BE03-E79964288B41}" type="datetimeFigureOut">
               <a:rPr lang="en-US" smtClean="0"/>
-              <a:t>9/19/2023</a:t>
+              <a:t>9/20/2023</a:t>
             </a:fld>
             <a:endParaRPr lang="en-US" dirty="0"/>
           </a:p>
@@ -2038,7 +2043,7 @@
             <a:fld id="{53BEF823-48A5-43FC-BE03-E79964288B41}" type="datetimeFigureOut">
               <a:rPr lang="en-US" smtClean="0"/>
               <a:pPr algn="r"/>
-              <a:t>9/19/2023</a:t>
+              <a:t>9/20/2023</a:t>
             </a:fld>
             <a:endParaRPr lang="en-US" dirty="0"/>
           </a:p>
@@ -2253,7 +2258,7 @@
             <a:fld id="{53BEF823-48A5-43FC-BE03-E79964288B41}" type="datetimeFigureOut">
               <a:rPr lang="en-US" smtClean="0"/>
               <a:pPr algn="r"/>
-              <a:t>9/19/2023</a:t>
+              <a:t>9/20/2023</a:t>
             </a:fld>
             <a:endParaRPr lang="en-US" dirty="0"/>
           </a:p>
@@ -2456,7 +2461,7 @@
             <a:fld id="{53BEF823-48A5-43FC-BE03-E79964288B41}" type="datetimeFigureOut">
               <a:rPr lang="en-US" smtClean="0"/>
               <a:pPr algn="r"/>
-              <a:t>9/19/2023</a:t>
+              <a:t>9/20/2023</a:t>
             </a:fld>
             <a:endParaRPr lang="en-US" dirty="0"/>
           </a:p>
@@ -2740,7 +2745,7 @@
             <a:fld id="{53BEF823-48A5-43FC-BE03-E79964288B41}" type="datetimeFigureOut">
               <a:rPr lang="en-US" smtClean="0"/>
               <a:pPr algn="r"/>
-              <a:t>9/19/2023</a:t>
+              <a:t>9/20/2023</a:t>
             </a:fld>
             <a:endParaRPr lang="en-US" dirty="0"/>
           </a:p>
@@ -2984,7 +2989,7 @@
             <a:fld id="{53BEF823-48A5-43FC-BE03-E79964288B41}" type="datetimeFigureOut">
               <a:rPr lang="en-US" smtClean="0"/>
               <a:pPr algn="r"/>
-              <a:t>9/19/2023</a:t>
+              <a:t>9/20/2023</a:t>
             </a:fld>
             <a:endParaRPr lang="en-US" dirty="0"/>
           </a:p>
@@ -3427,7 +3432,7 @@
             <a:fld id="{53BEF823-48A5-43FC-BE03-E79964288B41}" type="datetimeFigureOut">
               <a:rPr lang="en-US" smtClean="0"/>
               <a:pPr algn="r"/>
-              <a:t>9/19/2023</a:t>
+              <a:t>9/20/2023</a:t>
             </a:fld>
             <a:endParaRPr lang="en-US" dirty="0"/>
           </a:p>
@@ -3573,7 +3578,7 @@
             <a:fld id="{53BEF823-48A5-43FC-BE03-E79964288B41}" type="datetimeFigureOut">
               <a:rPr lang="en-US" smtClean="0"/>
               <a:pPr algn="r"/>
-              <a:t>9/19/2023</a:t>
+              <a:t>9/20/2023</a:t>
             </a:fld>
             <a:endParaRPr lang="en-US" dirty="0"/>
           </a:p>
@@ -3691,7 +3696,7 @@
             <a:fld id="{53BEF823-48A5-43FC-BE03-E79964288B41}" type="datetimeFigureOut">
               <a:rPr lang="en-US" smtClean="0"/>
               <a:pPr algn="r"/>
-              <a:t>9/19/2023</a:t>
+              <a:t>9/20/2023</a:t>
             </a:fld>
             <a:endParaRPr lang="en-US" dirty="0"/>
           </a:p>
@@ -3975,7 +3980,7 @@
             <a:fld id="{53BEF823-48A5-43FC-BE03-E79964288B41}" type="datetimeFigureOut">
               <a:rPr lang="en-US" smtClean="0"/>
               <a:pPr algn="r"/>
-              <a:t>9/19/2023</a:t>
+              <a:t>9/20/2023</a:t>
             </a:fld>
             <a:endParaRPr lang="en-US" dirty="0"/>
           </a:p>
@@ -4270,7 +4275,7 @@
             <a:fld id="{53BEF823-48A5-43FC-BE03-E79964288B41}" type="datetimeFigureOut">
               <a:rPr lang="en-US" smtClean="0"/>
               <a:pPr algn="r"/>
-              <a:t>9/19/2023</a:t>
+              <a:t>9/20/2023</a:t>
             </a:fld>
             <a:endParaRPr lang="en-US" dirty="0"/>
           </a:p>
@@ -4765,7 +4770,7 @@
             <a:fld id="{53BEF823-48A5-43FC-BE03-E79964288B41}" type="datetimeFigureOut">
               <a:rPr lang="en-US" smtClean="0"/>
               <a:pPr algn="r"/>
-              <a:t>9/19/2023</a:t>
+              <a:t>9/20/2023</a:t>
             </a:fld>
             <a:endParaRPr lang="en-US" dirty="0"/>
           </a:p>
